--- a/documents/T3-ShareList-Statuspräsentation_v1.0.pptx
+++ b/documents/T3-ShareList-Statuspräsentation_v1.0.pptx
@@ -6534,7 +6534,7 @@
         <a:p>
           <a:r>
             <a:rPr lang="de-DE" dirty="0"/>
-            <a:t>Zeitpuffer wurde erstellt</a:t>
+            <a:t>Zeitpuffer wurde in bestimmten Bereichen erstellt</a:t>
           </a:r>
         </a:p>
       </dgm:t>
@@ -8507,12 +8507,12 @@
         </a:fontRef>
       </dsp:style>
       <dsp:txBody>
-        <a:bodyPr spcFirstLastPara="0" vert="horz" wrap="square" lIns="658919" tIns="63500" rIns="63500" bIns="63500" numCol="1" spcCol="1270" anchor="ctr" anchorCtr="0">
+        <a:bodyPr spcFirstLastPara="0" vert="horz" wrap="square" lIns="658919" tIns="55880" rIns="55880" bIns="55880" numCol="1" spcCol="1270" anchor="ctr" anchorCtr="0">
           <a:noAutofit/>
         </a:bodyPr>
         <a:lstStyle/>
         <a:p>
-          <a:pPr marL="0" lvl="0" indent="0" algn="l" defTabSz="1111250">
+          <a:pPr marL="0" lvl="0" indent="0" algn="l" defTabSz="977900">
             <a:lnSpc>
               <a:spcPct val="90000"/>
             </a:lnSpc>
@@ -8525,7 +8525,7 @@
             <a:buNone/>
           </a:pPr>
           <a:r>
-            <a:rPr lang="de-DE" sz="2500" kern="1200" dirty="0"/>
+            <a:rPr lang="de-DE" sz="2200" kern="1200" dirty="0"/>
             <a:t>Projekt in Schwierigkeiten</a:t>
           </a:r>
         </a:p>
@@ -8633,12 +8633,12 @@
         </a:fontRef>
       </dsp:style>
       <dsp:txBody>
-        <a:bodyPr spcFirstLastPara="0" vert="horz" wrap="square" lIns="658919" tIns="63500" rIns="63500" bIns="63500" numCol="1" spcCol="1270" anchor="ctr" anchorCtr="0">
+        <a:bodyPr spcFirstLastPara="0" vert="horz" wrap="square" lIns="658919" tIns="55880" rIns="55880" bIns="55880" numCol="1" spcCol="1270" anchor="ctr" anchorCtr="0">
           <a:noAutofit/>
         </a:bodyPr>
         <a:lstStyle/>
         <a:p>
-          <a:pPr marL="0" lvl="0" indent="0" algn="l" defTabSz="1111250">
+          <a:pPr marL="0" lvl="0" indent="0" algn="l" defTabSz="977900">
             <a:lnSpc>
               <a:spcPct val="90000"/>
             </a:lnSpc>
@@ -8651,7 +8651,7 @@
             <a:buNone/>
           </a:pPr>
           <a:r>
-            <a:rPr lang="de-DE" sz="2500" kern="1200" dirty="0"/>
+            <a:rPr lang="de-DE" sz="2200" kern="1200" dirty="0"/>
             <a:t>Aufgaben wurden zeitgerecht erledigt</a:t>
           </a:r>
         </a:p>
@@ -8759,12 +8759,12 @@
         </a:fontRef>
       </dsp:style>
       <dsp:txBody>
-        <a:bodyPr spcFirstLastPara="0" vert="horz" wrap="square" lIns="658919" tIns="63500" rIns="63500" bIns="63500" numCol="1" spcCol="1270" anchor="ctr" anchorCtr="0">
+        <a:bodyPr spcFirstLastPara="0" vert="horz" wrap="square" lIns="658919" tIns="55880" rIns="55880" bIns="55880" numCol="1" spcCol="1270" anchor="ctr" anchorCtr="0">
           <a:noAutofit/>
         </a:bodyPr>
         <a:lstStyle/>
         <a:p>
-          <a:pPr marL="0" lvl="0" indent="0" algn="l" defTabSz="1111250">
+          <a:pPr marL="0" lvl="0" indent="0" algn="l" defTabSz="977900">
             <a:lnSpc>
               <a:spcPct val="90000"/>
             </a:lnSpc>
@@ -8777,8 +8777,8 @@
             <a:buNone/>
           </a:pPr>
           <a:r>
-            <a:rPr lang="de-DE" sz="2500" kern="1200" dirty="0"/>
-            <a:t>Zeitpuffer wurde erstellt</a:t>
+            <a:rPr lang="de-DE" sz="2200" kern="1200" dirty="0"/>
+            <a:t>Zeitpuffer wurde in bestimmten Bereichen erstellt</a:t>
           </a:r>
         </a:p>
       </dsp:txBody>
@@ -24142,8 +24142,8 @@
         </p:nvSpPr>
         <p:spPr>
           <a:xfrm>
-            <a:off x="733192" y="3696403"/>
-            <a:ext cx="4845708" cy="1661993"/>
+            <a:off x="733192" y="2612651"/>
+            <a:ext cx="4845708" cy="2492990"/>
           </a:xfrm>
           <a:prstGeom prst="rect">
             <a:avLst/>
@@ -24176,6 +24176,19 @@
                 <a:cs typeface="Segoe UI" panose="020B0502040204020203" pitchFamily="34" charset="0"/>
               </a:rPr>
               <a:t> Statusbericht</a:t>
+            </a:r>
+          </a:p>
+          <a:p>
+            <a:pPr rtl="0"/>
+            <a:r>
+              <a:rPr lang="de-DE" sz="5400" b="1" dirty="0">
+                <a:solidFill>
+                  <a:srgbClr val="002060"/>
+                </a:solidFill>
+                <a:latin typeface="Segoe UI" panose="020B0502040204020203" pitchFamily="34" charset="0"/>
+                <a:cs typeface="Segoe UI" panose="020B0502040204020203" pitchFamily="34" charset="0"/>
+              </a:rPr>
+              <a:t>Vom 3.5.2022</a:t>
             </a:r>
           </a:p>
         </p:txBody>
@@ -26473,7 +26486,7 @@
             <p:ph idx="1"/>
             <p:extLst>
               <p:ext uri="{D42A27DB-BD31-4B8C-83A1-F6EECF244321}">
-                <p14:modId xmlns:p14="http://schemas.microsoft.com/office/powerpoint/2010/main" val="2509415872"/>
+                <p14:modId xmlns:p14="http://schemas.microsoft.com/office/powerpoint/2010/main" val="3403842776"/>
               </p:ext>
             </p:extLst>
           </p:nvPr>
@@ -33089,7 +33102,7 @@
                 <a:latin typeface="Segoe UI" panose="020B0502040204020203" pitchFamily="34" charset="0"/>
                 <a:cs typeface="Segoe UI" panose="020B0502040204020203" pitchFamily="34" charset="0"/>
               </a:rPr>
-              <a:t>Ressourcen/Kosten</a:t>
+              <a:t>Ressourcen/Kosten Soll: 100h Ist: 112h </a:t>
             </a:r>
             <a:endParaRPr lang="de-DE" sz="4400" b="1" dirty="0">
               <a:solidFill>

--- a/documents/T3-ShareList-Statuspräsentation_v1.0.pptx
+++ b/documents/T3-ShareList-Statuspräsentation_v1.0.pptx
@@ -24158,14 +24158,14 @@
           <a:p>
             <a:pPr rtl="0"/>
             <a:r>
-              <a:rPr lang="de-DE" sz="5400" b="1" dirty="0" err="1">
+              <a:rPr lang="de-DE" sz="5400" b="1">
                 <a:solidFill>
                   <a:srgbClr val="002060"/>
                 </a:solidFill>
                 <a:latin typeface="Segoe UI" panose="020B0502040204020203" pitchFamily="34" charset="0"/>
                 <a:cs typeface="Segoe UI" panose="020B0502040204020203" pitchFamily="34" charset="0"/>
               </a:rPr>
-              <a:t>ShareList</a:t>
+              <a:t>T3-ShareList </a:t>
             </a:r>
             <a:r>
               <a:rPr lang="de-DE" sz="5400" b="1" dirty="0">
@@ -24175,7 +24175,7 @@
                 <a:latin typeface="Segoe UI" panose="020B0502040204020203" pitchFamily="34" charset="0"/>
                 <a:cs typeface="Segoe UI" panose="020B0502040204020203" pitchFamily="34" charset="0"/>
               </a:rPr>
-              <a:t> Statusbericht</a:t>
+              <a:t>Statusbericht</a:t>
             </a:r>
           </a:p>
           <a:p>
